--- a/Presentation.pptx
+++ b/Presentation.pptx
@@ -227,7 +227,7 @@
           <a:p>
             <a:fld id="{06568DDA-FA06-4A9F-83B1-A54AC04168DF}" type="datetimeFigureOut">
               <a:rPr lang="ko-KR" altLang="en-US" smtClean="0"/>
-              <a:t>2024-05-31</a:t>
+              <a:t>2024-06-02</a:t>
             </a:fld>
             <a:endParaRPr lang="ko-KR" altLang="en-US"/>
           </a:p>
@@ -872,7 +872,7 @@
             </a:pPr>
             <a:r>
               <a:rPr lang="en-US" altLang="ko-KR" dirty="0"/>
-              <a:t>The following is an initialization of a table named member in a database named project with the following data.</a:t>
+              <a:t>The following is an initialization of a table named member in a database with the following data.</a:t>
             </a:r>
             <a:endParaRPr lang="ko-KR" altLang="en-US" dirty="0"/>
           </a:p>
@@ -1116,6 +1116,13 @@
           </a:p>
           <a:p>
             <a:r>
+              <a:rPr lang="ko-KR" altLang="en-US" dirty="0"/>
+              <a:t>클릭</a:t>
+            </a:r>
+            <a:endParaRPr lang="en-US" altLang="ko-KR" dirty="0"/>
+          </a:p>
+          <a:p>
+            <a:r>
               <a:rPr lang="en-US" altLang="ko-KR" b="0" i="0" dirty="0">
                 <a:solidFill>
                   <a:srgbClr val="000000"/>
@@ -1143,7 +1150,7 @@
           </a:p>
           <a:p>
             <a:r>
-              <a:rPr lang="en-US" altLang="ko-KR" b="0" i="0" dirty="0">
+              <a:rPr lang="ko-KR" altLang="en-US" b="0" i="0" dirty="0">
                 <a:solidFill>
                   <a:srgbClr val="000000"/>
                 </a:solidFill>
@@ -1153,10 +1160,21 @@
                 </a:highlight>
                 <a:latin typeface="noto"/>
               </a:rPr>
-              <a:t>After that, if there is data in the member table, insert the logged-in email value in the session variable.</a:t>
-            </a:r>
-          </a:p>
-          <a:p>
+              <a:t>클릭 </a:t>
+            </a:r>
+            <a:r>
+              <a:rPr lang="ko-KR" altLang="en-US" b="0" i="0" dirty="0" err="1">
+                <a:solidFill>
+                  <a:srgbClr val="000000"/>
+                </a:solidFill>
+                <a:effectLst/>
+                <a:highlight>
+                  <a:srgbClr val="FDFDFD"/>
+                </a:highlight>
+                <a:latin typeface="noto"/>
+              </a:rPr>
+              <a:t>클릭</a:t>
+            </a:r>
             <a:endParaRPr lang="en-US" altLang="ko-KR" b="0" i="0" dirty="0">
               <a:solidFill>
                 <a:srgbClr val="000000"/>
@@ -1180,10 +1198,24 @@
                 </a:highlight>
                 <a:latin typeface="noto"/>
               </a:rPr>
-              <a:t>If the data is not in the member table after connecting to the database, display the </a:t>
-            </a:r>
-            <a:r>
-              <a:rPr lang="en-US" altLang="ko-KR" b="0" i="0" dirty="0" err="1">
+              <a:t>After that, if there is data in the member table, insert the logged-in email value in the session variable.</a:t>
+            </a:r>
+          </a:p>
+          <a:p>
+            <a:endParaRPr lang="en-US" altLang="ko-KR" b="0" i="0" dirty="0">
+              <a:solidFill>
+                <a:srgbClr val="000000"/>
+              </a:solidFill>
+              <a:effectLst/>
+              <a:highlight>
+                <a:srgbClr val="FDFDFD"/>
+              </a:highlight>
+              <a:latin typeface="noto"/>
+            </a:endParaRPr>
+          </a:p>
+          <a:p>
+            <a:r>
+              <a:rPr lang="en-US" altLang="ko-KR" b="0" i="0" dirty="0">
                 <a:solidFill>
                   <a:srgbClr val="000000"/>
                 </a:solidFill>
@@ -1193,10 +1225,10 @@
                 </a:highlight>
                 <a:latin typeface="noto"/>
               </a:rPr>
-              <a:t>login.php</a:t>
-            </a:r>
-            <a:r>
-              <a:rPr lang="en-US" altLang="ko-KR" b="0" i="0" dirty="0">
+              <a:t>If the data is not in the member table after connecting to the database, display the </a:t>
+            </a:r>
+            <a:r>
+              <a:rPr lang="en-US" altLang="ko-KR" b="0" i="0" dirty="0" err="1">
                 <a:solidFill>
                   <a:srgbClr val="000000"/>
                 </a:solidFill>
@@ -1206,10 +1238,8 @@
                 </a:highlight>
                 <a:latin typeface="noto"/>
               </a:rPr>
-              <a:t> file screen again with the message.</a:t>
-            </a:r>
-          </a:p>
-          <a:p>
+              <a:t>login.php</a:t>
+            </a:r>
             <a:r>
               <a:rPr lang="en-US" altLang="ko-KR" b="0" i="0" dirty="0">
                 <a:solidFill>
@@ -1221,7 +1251,126 @@
                 </a:highlight>
                 <a:latin typeface="noto"/>
               </a:rPr>
-              <a:t>The session variable message determines whether to display a message or not and how to redirect the screen is referred to in the official document at the bottom right.</a:t>
+              <a:t> file screen again with the message.</a:t>
+            </a:r>
+          </a:p>
+          <a:p>
+            <a:endParaRPr lang="en-US" altLang="ko-KR" b="0" i="0" dirty="0">
+              <a:solidFill>
+                <a:srgbClr val="000000"/>
+              </a:solidFill>
+              <a:effectLst/>
+              <a:highlight>
+                <a:srgbClr val="FDFDFD"/>
+              </a:highlight>
+              <a:latin typeface="noto"/>
+            </a:endParaRPr>
+          </a:p>
+          <a:p>
+            <a:r>
+              <a:rPr lang="ko-KR" altLang="en-US" b="0" i="0" dirty="0">
+                <a:solidFill>
+                  <a:srgbClr val="000000"/>
+                </a:solidFill>
+                <a:effectLst/>
+                <a:highlight>
+                  <a:srgbClr val="FDFDFD"/>
+                </a:highlight>
+                <a:latin typeface="noto"/>
+              </a:rPr>
+              <a:t>클릭</a:t>
+            </a:r>
+            <a:endParaRPr lang="en-US" altLang="ko-KR" b="0" i="0" dirty="0">
+              <a:solidFill>
+                <a:srgbClr val="000000"/>
+              </a:solidFill>
+              <a:effectLst/>
+              <a:highlight>
+                <a:srgbClr val="FDFDFD"/>
+              </a:highlight>
+              <a:latin typeface="noto"/>
+            </a:endParaRPr>
+          </a:p>
+          <a:p>
+            <a:r>
+              <a:rPr lang="en-US" altLang="ko-KR" b="0" i="0" dirty="0">
+                <a:solidFill>
+                  <a:srgbClr val="000000"/>
+                </a:solidFill>
+                <a:effectLst/>
+                <a:highlight>
+                  <a:srgbClr val="FDFDFD"/>
+                </a:highlight>
+                <a:latin typeface="noto"/>
+              </a:rPr>
+              <a:t>The session variable message determines whether to display a message or not </a:t>
+            </a:r>
+          </a:p>
+          <a:p>
+            <a:r>
+              <a:rPr lang="ko-KR" altLang="en-US" b="0" i="0" dirty="0">
+                <a:solidFill>
+                  <a:srgbClr val="000000"/>
+                </a:solidFill>
+                <a:effectLst/>
+                <a:highlight>
+                  <a:srgbClr val="FDFDFD"/>
+                </a:highlight>
+                <a:latin typeface="noto"/>
+              </a:rPr>
+              <a:t>클릭</a:t>
+            </a:r>
+            <a:endParaRPr lang="en-US" altLang="ko-KR" b="0" i="0" dirty="0">
+              <a:solidFill>
+                <a:srgbClr val="000000"/>
+              </a:solidFill>
+              <a:effectLst/>
+              <a:highlight>
+                <a:srgbClr val="FDFDFD"/>
+              </a:highlight>
+              <a:latin typeface="noto"/>
+            </a:endParaRPr>
+          </a:p>
+          <a:p>
+            <a:r>
+              <a:rPr lang="en-US" altLang="ko-KR" b="0" i="0" dirty="0">
+                <a:solidFill>
+                  <a:srgbClr val="000000"/>
+                </a:solidFill>
+                <a:effectLst/>
+                <a:highlight>
+                  <a:srgbClr val="FDFDFD"/>
+                </a:highlight>
+                <a:latin typeface="noto"/>
+              </a:rPr>
+              <a:t>and how to redirect the screen is referred to in the official document at the bottom right.</a:t>
+            </a:r>
+          </a:p>
+          <a:p>
+            <a:endParaRPr lang="en-US" altLang="ko-KR" b="0" i="0" dirty="0">
+              <a:solidFill>
+                <a:srgbClr val="000000"/>
+              </a:solidFill>
+              <a:effectLst/>
+              <a:highlight>
+                <a:srgbClr val="FDFDFD"/>
+              </a:highlight>
+              <a:latin typeface="noto"/>
+            </a:endParaRPr>
+          </a:p>
+          <a:p>
+            <a:r>
+              <a:rPr lang="en-US" altLang="ko-KR" b="0" i="0" dirty="0">
+                <a:solidFill>
+                  <a:srgbClr val="000000"/>
+                </a:solidFill>
+                <a:effectLst/>
+                <a:highlight>
+                  <a:srgbClr val="FDFDFD"/>
+                </a:highlight>
+                <a:latin typeface="noto"/>
+              </a:rPr>
+              <a:t>Similar logic flows when signing up for membership.</a:t>
             </a:r>
             <a:endParaRPr lang="ko-KR" altLang="en-US" dirty="0"/>
           </a:p>
@@ -1786,7 +1935,7 @@
           <a:p>
             <a:r>
               <a:rPr lang="en-US" altLang="ko-KR" dirty="0"/>
-              <a:t>First, I will present the goal and brief description about project, wireframe on the main page and brief description of each function in order.</a:t>
+              <a:t>First, I will present the goal and summary of the project, wireframe on the main page and brief description of each function in order.</a:t>
             </a:r>
             <a:endParaRPr lang="ko-KR" altLang="en-US" dirty="0"/>
           </a:p>
@@ -3529,37 +3678,6 @@
               </a:rPr>
               <a:t>And this is a real screen.</a:t>
             </a:r>
-          </a:p>
-          <a:p>
-            <a:r>
-              <a:rPr lang="en-US" altLang="ko-KR" b="0" i="0" dirty="0">
-                <a:solidFill>
-                  <a:srgbClr val="000000"/>
-                </a:solidFill>
-                <a:effectLst/>
-                <a:highlight>
-                  <a:srgbClr val="FDFDFD"/>
-                </a:highlight>
-                <a:latin typeface="noto"/>
-              </a:rPr>
-              <a:t>I wanted to cover many products, but due to time constraints, I only focused on the products in the Best section.</a:t>
-            </a:r>
-          </a:p>
-          <a:p>
-            <a:r>
-              <a:rPr lang="en-US" altLang="ko-KR" b="0" i="0" dirty="0">
-                <a:solidFill>
-                  <a:srgbClr val="000000"/>
-                </a:solidFill>
-                <a:effectLst/>
-                <a:highlight>
-                  <a:srgbClr val="FDFDFD"/>
-                </a:highlight>
-                <a:latin typeface="noto"/>
-              </a:rPr>
-              <a:t>The images were taken from Nike shopping site as images of shoes.</a:t>
-            </a:r>
-            <a:endParaRPr lang="ko-KR" altLang="en-US" dirty="0"/>
           </a:p>
         </p:txBody>
       </p:sp>
@@ -3822,7 +3940,7 @@
           <a:p>
             <a:fld id="{52B478EF-5EAC-47FA-88CA-94589E309C37}" type="datetimeFigureOut">
               <a:rPr lang="ko-KR" altLang="en-US" smtClean="0"/>
-              <a:t>2024-05-31</a:t>
+              <a:t>2024-06-02</a:t>
             </a:fld>
             <a:endParaRPr lang="ko-KR" altLang="en-US"/>
           </a:p>
@@ -3992,7 +4110,7 @@
           <a:p>
             <a:fld id="{52B478EF-5EAC-47FA-88CA-94589E309C37}" type="datetimeFigureOut">
               <a:rPr lang="ko-KR" altLang="en-US" smtClean="0"/>
-              <a:t>2024-05-31</a:t>
+              <a:t>2024-06-02</a:t>
             </a:fld>
             <a:endParaRPr lang="ko-KR" altLang="en-US"/>
           </a:p>
@@ -4172,7 +4290,7 @@
           <a:p>
             <a:fld id="{52B478EF-5EAC-47FA-88CA-94589E309C37}" type="datetimeFigureOut">
               <a:rPr lang="ko-KR" altLang="en-US" smtClean="0"/>
-              <a:t>2024-05-31</a:t>
+              <a:t>2024-06-02</a:t>
             </a:fld>
             <a:endParaRPr lang="ko-KR" altLang="en-US"/>
           </a:p>
@@ -4342,7 +4460,7 @@
           <a:p>
             <a:fld id="{52B478EF-5EAC-47FA-88CA-94589E309C37}" type="datetimeFigureOut">
               <a:rPr lang="ko-KR" altLang="en-US" smtClean="0"/>
-              <a:t>2024-05-31</a:t>
+              <a:t>2024-06-02</a:t>
             </a:fld>
             <a:endParaRPr lang="ko-KR" altLang="en-US"/>
           </a:p>
@@ -4588,7 +4706,7 @@
           <a:p>
             <a:fld id="{52B478EF-5EAC-47FA-88CA-94589E309C37}" type="datetimeFigureOut">
               <a:rPr lang="ko-KR" altLang="en-US" smtClean="0"/>
-              <a:t>2024-05-31</a:t>
+              <a:t>2024-06-02</a:t>
             </a:fld>
             <a:endParaRPr lang="ko-KR" altLang="en-US"/>
           </a:p>
@@ -4820,7 +4938,7 @@
           <a:p>
             <a:fld id="{52B478EF-5EAC-47FA-88CA-94589E309C37}" type="datetimeFigureOut">
               <a:rPr lang="ko-KR" altLang="en-US" smtClean="0"/>
-              <a:t>2024-05-31</a:t>
+              <a:t>2024-06-02</a:t>
             </a:fld>
             <a:endParaRPr lang="ko-KR" altLang="en-US"/>
           </a:p>
@@ -5187,7 +5305,7 @@
           <a:p>
             <a:fld id="{52B478EF-5EAC-47FA-88CA-94589E309C37}" type="datetimeFigureOut">
               <a:rPr lang="ko-KR" altLang="en-US" smtClean="0"/>
-              <a:t>2024-05-31</a:t>
+              <a:t>2024-06-02</a:t>
             </a:fld>
             <a:endParaRPr lang="ko-KR" altLang="en-US"/>
           </a:p>
@@ -5305,7 +5423,7 @@
           <a:p>
             <a:fld id="{52B478EF-5EAC-47FA-88CA-94589E309C37}" type="datetimeFigureOut">
               <a:rPr lang="ko-KR" altLang="en-US" smtClean="0"/>
-              <a:t>2024-05-31</a:t>
+              <a:t>2024-06-02</a:t>
             </a:fld>
             <a:endParaRPr lang="ko-KR" altLang="en-US"/>
           </a:p>
@@ -5400,7 +5518,7 @@
           <a:p>
             <a:fld id="{52B478EF-5EAC-47FA-88CA-94589E309C37}" type="datetimeFigureOut">
               <a:rPr lang="ko-KR" altLang="en-US" smtClean="0"/>
-              <a:t>2024-05-31</a:t>
+              <a:t>2024-06-02</a:t>
             </a:fld>
             <a:endParaRPr lang="ko-KR" altLang="en-US"/>
           </a:p>
@@ -5677,7 +5795,7 @@
           <a:p>
             <a:fld id="{52B478EF-5EAC-47FA-88CA-94589E309C37}" type="datetimeFigureOut">
               <a:rPr lang="ko-KR" altLang="en-US" smtClean="0"/>
-              <a:t>2024-05-31</a:t>
+              <a:t>2024-06-02</a:t>
             </a:fld>
             <a:endParaRPr lang="ko-KR" altLang="en-US"/>
           </a:p>
@@ -5934,7 +6052,7 @@
           <a:p>
             <a:fld id="{52B478EF-5EAC-47FA-88CA-94589E309C37}" type="datetimeFigureOut">
               <a:rPr lang="ko-KR" altLang="en-US" smtClean="0"/>
-              <a:t>2024-05-31</a:t>
+              <a:t>2024-06-02</a:t>
             </a:fld>
             <a:endParaRPr lang="ko-KR" altLang="en-US"/>
           </a:p>
@@ -6147,7 +6265,7 @@
           <a:p>
             <a:fld id="{52B478EF-5EAC-47FA-88CA-94589E309C37}" type="datetimeFigureOut">
               <a:rPr lang="ko-KR" altLang="en-US" smtClean="0"/>
-              <a:t>2024-05-31</a:t>
+              <a:t>2024-06-02</a:t>
             </a:fld>
             <a:endParaRPr lang="ko-KR" altLang="en-US"/>
           </a:p>
